--- a/JSON and Web APIs.pptx
+++ b/JSON and Web APIs.pptx
@@ -5,7 +5,7 @@
     <p:sldMasterId id="2147483648" r:id="rId1"/>
   </p:sldMasterIdLst>
   <p:notesMasterIdLst>
-    <p:notesMasterId r:id="rId17"/>
+    <p:notesMasterId r:id="rId18"/>
   </p:notesMasterIdLst>
   <p:sldIdLst>
     <p:sldId id="257" r:id="rId2"/>
@@ -14,15 +14,16 @@
     <p:sldId id="260" r:id="rId5"/>
     <p:sldId id="262" r:id="rId6"/>
     <p:sldId id="263" r:id="rId7"/>
-    <p:sldId id="261" r:id="rId8"/>
-    <p:sldId id="265" r:id="rId9"/>
-    <p:sldId id="264" r:id="rId10"/>
-    <p:sldId id="266" r:id="rId11"/>
-    <p:sldId id="267" r:id="rId12"/>
-    <p:sldId id="268" r:id="rId13"/>
-    <p:sldId id="270" r:id="rId14"/>
-    <p:sldId id="269" r:id="rId15"/>
-    <p:sldId id="271" r:id="rId16"/>
+    <p:sldId id="272" r:id="rId8"/>
+    <p:sldId id="273" r:id="rId9"/>
+    <p:sldId id="261" r:id="rId10"/>
+    <p:sldId id="265" r:id="rId11"/>
+    <p:sldId id="264" r:id="rId12"/>
+    <p:sldId id="266" r:id="rId13"/>
+    <p:sldId id="267" r:id="rId14"/>
+    <p:sldId id="268" r:id="rId15"/>
+    <p:sldId id="269" r:id="rId16"/>
+    <p:sldId id="271" r:id="rId17"/>
   </p:sldIdLst>
   <p:sldSz cx="9144000" cy="6858000" type="screen4x3"/>
   <p:notesSz cx="7315200" cy="9601200"/>
@@ -222,7 +223,7 @@
           <a:p>
             <a:fld id="{A5E42654-8F2A-4F5A-BEF7-6C9FA135029E}" type="datetimeFigureOut">
               <a:rPr lang="en-US" smtClean="0"/>
-              <a:t>1/6/2021</a:t>
+              <a:t>1/12/2021</a:t>
             </a:fld>
             <a:endParaRPr lang="en-US"/>
           </a:p>
@@ -2751,6 +2752,451 @@
           <p:cNvPr id="2" name="Title 1">
             <a:extLst>
               <a:ext uri="{FF2B5EF4-FFF2-40B4-BE49-F238E27FC236}">
+                <a16:creationId xmlns:a16="http://schemas.microsoft.com/office/drawing/2014/main" id="{2F046563-FE2E-449B-9150-2331BE2F7605}"/>
+              </a:ext>
+            </a:extLst>
+          </p:cNvPr>
+          <p:cNvSpPr>
+            <a:spLocks noGrp="1"/>
+          </p:cNvSpPr>
+          <p:nvPr>
+            <p:ph type="title"/>
+          </p:nvPr>
+        </p:nvSpPr>
+        <p:spPr>
+          <a:xfrm>
+            <a:off x="457200" y="457200"/>
+            <a:ext cx="8229600" cy="402336"/>
+          </a:xfrm>
+        </p:spPr>
+        <p:txBody>
+          <a:bodyPr anchor="t">
+            <a:normAutofit/>
+          </a:bodyPr>
+          <a:lstStyle/>
+          <a:p>
+            <a:r>
+              <a:rPr lang="en-US" dirty="0"/>
+              <a:t>What’s in a Web API? – Parameters and Endpoints</a:t>
+            </a:r>
+          </a:p>
+        </p:txBody>
+      </p:sp>
+      <p:sp>
+        <p:nvSpPr>
+          <p:cNvPr id="16" name="Content Placeholder 2">
+            <a:extLst>
+              <a:ext uri="{FF2B5EF4-FFF2-40B4-BE49-F238E27FC236}">
+                <a16:creationId xmlns:a16="http://schemas.microsoft.com/office/drawing/2014/main" id="{2A270B32-6833-490E-8DC7-B2123F9E6CEC}"/>
+              </a:ext>
+            </a:extLst>
+          </p:cNvPr>
+          <p:cNvSpPr>
+            <a:spLocks noGrp="1"/>
+          </p:cNvSpPr>
+          <p:nvPr>
+            <p:ph sz="half" idx="1"/>
+          </p:nvPr>
+        </p:nvSpPr>
+        <p:spPr>
+          <a:xfrm>
+            <a:off x="457199" y="3178628"/>
+            <a:ext cx="7885611" cy="3021875"/>
+          </a:xfrm>
+        </p:spPr>
+        <p:txBody>
+          <a:bodyPr/>
+          <a:lstStyle/>
+          <a:p>
+            <a:r>
+              <a:rPr lang="en-US" dirty="0"/>
+              <a:t>For a </a:t>
+            </a:r>
+            <a:r>
+              <a:rPr lang="en-US" i="1" dirty="0"/>
+              <a:t>Get</a:t>
+            </a:r>
+            <a:r>
+              <a:rPr lang="en-US" dirty="0"/>
+              <a:t> request, the endpoint defines the “function” and specifies the resources you are trying to “get”</a:t>
+            </a:r>
+          </a:p>
+          <a:p>
+            <a:endParaRPr lang="en-US" dirty="0"/>
+          </a:p>
+          <a:p>
+            <a:r>
+              <a:rPr lang="en-US" dirty="0"/>
+              <a:t>The parameters can be thought as the arguments of the function and can do many things, like specify specific data within the endpoint</a:t>
+            </a:r>
+          </a:p>
+          <a:p>
+            <a:endParaRPr lang="en-US" dirty="0"/>
+          </a:p>
+          <a:p>
+            <a:r>
+              <a:rPr lang="en-US" dirty="0"/>
+              <a:t>Parameters are separated from the endpoint by a “?” and separated from one another with the “&amp;” symbol</a:t>
+            </a:r>
+          </a:p>
+        </p:txBody>
+      </p:sp>
+      <p:pic>
+        <p:nvPicPr>
+          <p:cNvPr id="11" name="Content Placeholder 10" descr="A picture containing chart&#10;&#10;Description automatically generated">
+            <a:extLst>
+              <a:ext uri="{FF2B5EF4-FFF2-40B4-BE49-F238E27FC236}">
+                <a16:creationId xmlns:a16="http://schemas.microsoft.com/office/drawing/2014/main" id="{B664F357-6B45-418E-8713-50F5D1DED450}"/>
+              </a:ext>
+            </a:extLst>
+          </p:cNvPr>
+          <p:cNvPicPr>
+            <a:picLocks noGrp="1" noChangeAspect="1"/>
+          </p:cNvPicPr>
+          <p:nvPr>
+            <p:ph sz="half" idx="2"/>
+          </p:nvPr>
+        </p:nvPicPr>
+        <p:blipFill>
+          <a:blip r:embed="rId2" cstate="print">
+            <a:extLst>
+              <a:ext uri="{28A0092B-C50C-407E-A947-70E740481C1C}">
+                <a14:useLocalDpi xmlns:a14="http://schemas.microsoft.com/office/drawing/2010/main" val="0"/>
+              </a:ext>
+            </a:extLst>
+          </a:blip>
+          <a:stretch>
+            <a:fillRect/>
+          </a:stretch>
+        </p:blipFill>
+        <p:spPr>
+          <a:xfrm>
+            <a:off x="457199" y="1143316"/>
+            <a:ext cx="7885611" cy="1616550"/>
+          </a:xfrm>
+          <a:noFill/>
+        </p:spPr>
+      </p:pic>
+      <p:sp>
+        <p:nvSpPr>
+          <p:cNvPr id="5" name="Slide Number Placeholder 4">
+            <a:extLst>
+              <a:ext uri="{FF2B5EF4-FFF2-40B4-BE49-F238E27FC236}">
+                <a16:creationId xmlns:a16="http://schemas.microsoft.com/office/drawing/2014/main" id="{8B1E9F45-5D42-4D4B-88DC-C5C4FCE91AB8}"/>
+              </a:ext>
+            </a:extLst>
+          </p:cNvPr>
+          <p:cNvSpPr>
+            <a:spLocks noGrp="1"/>
+          </p:cNvSpPr>
+          <p:nvPr>
+            <p:ph type="sldNum" sz="quarter" idx="12"/>
+          </p:nvPr>
+        </p:nvSpPr>
+        <p:spPr>
+          <a:xfrm>
+            <a:off x="457200" y="6409944"/>
+            <a:ext cx="283464" cy="219456"/>
+          </a:xfrm>
+        </p:spPr>
+        <p:txBody>
+          <a:bodyPr anchor="b">
+            <a:normAutofit/>
+          </a:bodyPr>
+          <a:lstStyle/>
+          <a:p>
+            <a:pPr>
+              <a:spcAft>
+                <a:spcPts val="600"/>
+              </a:spcAft>
+            </a:pPr>
+            <a:fld id="{28A19357-1615-4E1E-ABD3-88E67FF5B78B}" type="slidenum">
+              <a:rPr lang="en-US" smtClean="0"/>
+              <a:pPr>
+                <a:spcAft>
+                  <a:spcPts val="600"/>
+                </a:spcAft>
+              </a:pPr>
+              <a:t>10</a:t>
+            </a:fld>
+            <a:endParaRPr lang="en-US"/>
+          </a:p>
+        </p:txBody>
+      </p:sp>
+      <p:pic>
+        <p:nvPicPr>
+          <p:cNvPr id="6" name="Picture 5" descr="Logo, icon&#10;&#10;Description automatically generated">
+            <a:extLst>
+              <a:ext uri="{FF2B5EF4-FFF2-40B4-BE49-F238E27FC236}">
+                <a16:creationId xmlns:a16="http://schemas.microsoft.com/office/drawing/2014/main" id="{92AFB1D8-BC9F-4F06-9C30-E6A5FD6ED52A}"/>
+              </a:ext>
+            </a:extLst>
+          </p:cNvPr>
+          <p:cNvPicPr>
+            <a:picLocks noChangeAspect="1"/>
+          </p:cNvPicPr>
+          <p:nvPr/>
+        </p:nvPicPr>
+        <p:blipFill>
+          <a:blip r:embed="rId3">
+            <a:extLst>
+              <a:ext uri="{28A0092B-C50C-407E-A947-70E740481C1C}">
+                <a14:useLocalDpi xmlns:a14="http://schemas.microsoft.com/office/drawing/2010/main" val="0"/>
+              </a:ext>
+            </a:extLst>
+          </a:blip>
+          <a:stretch>
+            <a:fillRect/>
+          </a:stretch>
+        </p:blipFill>
+        <p:spPr>
+          <a:xfrm>
+            <a:off x="7768046" y="198991"/>
+            <a:ext cx="918754" cy="918754"/>
+          </a:xfrm>
+          <a:prstGeom prst="rect">
+            <a:avLst/>
+          </a:prstGeom>
+        </p:spPr>
+      </p:pic>
+    </p:spTree>
+    <p:extLst>
+      <p:ext uri="{BB962C8B-B14F-4D97-AF65-F5344CB8AC3E}">
+        <p14:creationId xmlns:p14="http://schemas.microsoft.com/office/powerpoint/2010/main" val="3574549883"/>
+      </p:ext>
+    </p:extLst>
+  </p:cSld>
+  <p:clrMapOvr>
+    <a:masterClrMapping/>
+  </p:clrMapOvr>
+</p:sld>
+</file>
+
+<file path=ppt/slides/slide11.xml><?xml version="1.0" encoding="utf-8"?>
+<p:sld xmlns:a="http://schemas.openxmlformats.org/drawingml/2006/main" xmlns:r="http://schemas.openxmlformats.org/officeDocument/2006/relationships" xmlns:p="http://schemas.openxmlformats.org/presentationml/2006/main">
+  <p:cSld>
+    <p:spTree>
+      <p:nvGrpSpPr>
+        <p:cNvPr id="1" name=""/>
+        <p:cNvGrpSpPr/>
+        <p:nvPr/>
+      </p:nvGrpSpPr>
+      <p:grpSpPr>
+        <a:xfrm>
+          <a:off x="0" y="0"/>
+          <a:ext cx="0" cy="0"/>
+          <a:chOff x="0" y="0"/>
+          <a:chExt cx="0" cy="0"/>
+        </a:xfrm>
+      </p:grpSpPr>
+      <p:sp>
+        <p:nvSpPr>
+          <p:cNvPr id="2" name="Title 1">
+            <a:extLst>
+              <a:ext uri="{FF2B5EF4-FFF2-40B4-BE49-F238E27FC236}">
+                <a16:creationId xmlns:a16="http://schemas.microsoft.com/office/drawing/2014/main" id="{98531DAB-40F5-4314-9390-B31C0A194CC5}"/>
+              </a:ext>
+            </a:extLst>
+          </p:cNvPr>
+          <p:cNvSpPr>
+            <a:spLocks noGrp="1"/>
+          </p:cNvSpPr>
+          <p:nvPr>
+            <p:ph type="title"/>
+          </p:nvPr>
+        </p:nvSpPr>
+        <p:spPr/>
+        <p:txBody>
+          <a:bodyPr/>
+          <a:lstStyle/>
+          <a:p>
+            <a:r>
+              <a:rPr lang="en-US" dirty="0"/>
+              <a:t>The Response – Web APIs for the Web</a:t>
+            </a:r>
+          </a:p>
+        </p:txBody>
+      </p:sp>
+      <p:sp>
+        <p:nvSpPr>
+          <p:cNvPr id="6" name="Content Placeholder 5">
+            <a:extLst>
+              <a:ext uri="{FF2B5EF4-FFF2-40B4-BE49-F238E27FC236}">
+                <a16:creationId xmlns:a16="http://schemas.microsoft.com/office/drawing/2014/main" id="{88B743A6-FEFD-403B-BE74-76CA84A4F22D}"/>
+              </a:ext>
+            </a:extLst>
+          </p:cNvPr>
+          <p:cNvSpPr>
+            <a:spLocks noGrp="1"/>
+          </p:cNvSpPr>
+          <p:nvPr>
+            <p:ph idx="1"/>
+          </p:nvPr>
+        </p:nvSpPr>
+        <p:spPr/>
+        <p:txBody>
+          <a:bodyPr/>
+          <a:lstStyle/>
+          <a:p>
+            <a:r>
+              <a:rPr lang="en-US" dirty="0"/>
+              <a:t>What does a Web API return?</a:t>
+            </a:r>
+          </a:p>
+          <a:p>
+            <a:pPr lvl="1"/>
+            <a:r>
+              <a:rPr lang="en-US" dirty="0"/>
+              <a:t>Depends on the API</a:t>
+            </a:r>
+          </a:p>
+          <a:p>
+            <a:pPr lvl="1"/>
+            <a:r>
+              <a:rPr lang="en-US" dirty="0"/>
+              <a:t>Could return a single number, text data, an image, or even a whole webpage</a:t>
+            </a:r>
+          </a:p>
+          <a:p>
+            <a:pPr lvl="1"/>
+            <a:endParaRPr lang="en-US" dirty="0"/>
+          </a:p>
+          <a:p>
+            <a:r>
+              <a:rPr lang="en-US" dirty="0"/>
+              <a:t>Example: Google</a:t>
+            </a:r>
+          </a:p>
+          <a:p>
+            <a:pPr lvl="1"/>
+            <a:r>
+              <a:rPr lang="en-US" dirty="0"/>
+              <a:t>Try typing in the following web API request into your browser: www.google.com/search?q=CRA</a:t>
+            </a:r>
+          </a:p>
+          <a:p>
+            <a:pPr lvl="1"/>
+            <a:r>
+              <a:rPr lang="en-US" dirty="0"/>
+              <a:t>API Details:</a:t>
+            </a:r>
+          </a:p>
+          <a:p>
+            <a:pPr lvl="2"/>
+            <a:r>
+              <a:rPr lang="en-US" dirty="0"/>
+              <a:t>Endpoint: www.google.com/search</a:t>
+            </a:r>
+          </a:p>
+          <a:p>
+            <a:pPr lvl="2"/>
+            <a:r>
+              <a:rPr lang="en-US" dirty="0"/>
+              <a:t>Parameter q is set to CRA</a:t>
+            </a:r>
+          </a:p>
+        </p:txBody>
+      </p:sp>
+      <p:sp>
+        <p:nvSpPr>
+          <p:cNvPr id="5" name="Slide Number Placeholder 4">
+            <a:extLst>
+              <a:ext uri="{FF2B5EF4-FFF2-40B4-BE49-F238E27FC236}">
+                <a16:creationId xmlns:a16="http://schemas.microsoft.com/office/drawing/2014/main" id="{F73E1A14-2B6F-4690-82A6-2F6575FAA835}"/>
+              </a:ext>
+            </a:extLst>
+          </p:cNvPr>
+          <p:cNvSpPr>
+            <a:spLocks noGrp="1"/>
+          </p:cNvSpPr>
+          <p:nvPr>
+            <p:ph type="sldNum" sz="quarter" idx="12"/>
+          </p:nvPr>
+        </p:nvSpPr>
+        <p:spPr/>
+        <p:txBody>
+          <a:bodyPr/>
+          <a:lstStyle/>
+          <a:p>
+            <a:fld id="{28A19357-1615-4E1E-ABD3-88E67FF5B78B}" type="slidenum">
+              <a:rPr lang="en-US" smtClean="0"/>
+              <a:t>11</a:t>
+            </a:fld>
+            <a:endParaRPr lang="en-US" dirty="0"/>
+          </a:p>
+        </p:txBody>
+      </p:sp>
+      <p:pic>
+        <p:nvPicPr>
+          <p:cNvPr id="7" name="Picture 6" descr="Logo, icon&#10;&#10;Description automatically generated">
+            <a:extLst>
+              <a:ext uri="{FF2B5EF4-FFF2-40B4-BE49-F238E27FC236}">
+                <a16:creationId xmlns:a16="http://schemas.microsoft.com/office/drawing/2014/main" id="{241140BD-C1FC-4F6F-97E6-1A22AC74D779}"/>
+              </a:ext>
+            </a:extLst>
+          </p:cNvPr>
+          <p:cNvPicPr>
+            <a:picLocks noChangeAspect="1"/>
+          </p:cNvPicPr>
+          <p:nvPr/>
+        </p:nvPicPr>
+        <p:blipFill>
+          <a:blip r:embed="rId2">
+            <a:extLst>
+              <a:ext uri="{28A0092B-C50C-407E-A947-70E740481C1C}">
+                <a14:useLocalDpi xmlns:a14="http://schemas.microsoft.com/office/drawing/2010/main" val="0"/>
+              </a:ext>
+            </a:extLst>
+          </a:blip>
+          <a:stretch>
+            <a:fillRect/>
+          </a:stretch>
+        </p:blipFill>
+        <p:spPr>
+          <a:xfrm>
+            <a:off x="7768046" y="198991"/>
+            <a:ext cx="918754" cy="918754"/>
+          </a:xfrm>
+          <a:prstGeom prst="rect">
+            <a:avLst/>
+          </a:prstGeom>
+        </p:spPr>
+      </p:pic>
+    </p:spTree>
+    <p:extLst>
+      <p:ext uri="{BB962C8B-B14F-4D97-AF65-F5344CB8AC3E}">
+        <p14:creationId xmlns:p14="http://schemas.microsoft.com/office/powerpoint/2010/main" val="705467224"/>
+      </p:ext>
+    </p:extLst>
+  </p:cSld>
+  <p:clrMapOvr>
+    <a:masterClrMapping/>
+  </p:clrMapOvr>
+</p:sld>
+</file>
+
+<file path=ppt/slides/slide12.xml><?xml version="1.0" encoding="utf-8"?>
+<p:sld xmlns:a="http://schemas.openxmlformats.org/drawingml/2006/main" xmlns:r="http://schemas.openxmlformats.org/officeDocument/2006/relationships" xmlns:p="http://schemas.openxmlformats.org/presentationml/2006/main">
+  <p:cSld>
+    <p:spTree>
+      <p:nvGrpSpPr>
+        <p:cNvPr id="1" name=""/>
+        <p:cNvGrpSpPr/>
+        <p:nvPr/>
+      </p:nvGrpSpPr>
+      <p:grpSpPr>
+        <a:xfrm>
+          <a:off x="0" y="0"/>
+          <a:ext cx="0" cy="0"/>
+          <a:chOff x="0" y="0"/>
+          <a:chExt cx="0" cy="0"/>
+        </a:xfrm>
+      </p:grpSpPr>
+      <p:sp>
+        <p:nvSpPr>
+          <p:cNvPr id="2" name="Title 1">
+            <a:extLst>
+              <a:ext uri="{FF2B5EF4-FFF2-40B4-BE49-F238E27FC236}">
                 <a16:creationId xmlns:a16="http://schemas.microsoft.com/office/drawing/2014/main" id="{F59CC2AA-1AF4-4955-8822-2DE62C1E49F5}"/>
               </a:ext>
             </a:extLst>
@@ -2891,7 +3337,7 @@
           <a:p>
             <a:fld id="{DEDDEAAF-052E-44C1-8CD8-E7BD0D65986B}" type="slidenum">
               <a:rPr lang="en-US" smtClean="0"/>
-              <a:t>10</a:t>
+              <a:t>12</a:t>
             </a:fld>
             <a:endParaRPr lang="en-US" dirty="0"/>
           </a:p>
@@ -2946,7 +3392,7 @@
 </p:sld>
 </file>
 
-<file path=ppt/slides/slide11.xml><?xml version="1.0" encoding="utf-8"?>
+<file path=ppt/slides/slide13.xml><?xml version="1.0" encoding="utf-8"?>
 <p:sld xmlns:a="http://schemas.openxmlformats.org/drawingml/2006/main" xmlns:r="http://schemas.openxmlformats.org/officeDocument/2006/relationships" xmlns:p="http://schemas.openxmlformats.org/presentationml/2006/main">
   <p:cSld>
     <p:spTree>
@@ -3174,7 +3620,7 @@
           <a:p>
             <a:fld id="{DEDDEAAF-052E-44C1-8CD8-E7BD0D65986B}" type="slidenum">
               <a:rPr lang="en-US" smtClean="0"/>
-              <a:t>11</a:t>
+              <a:t>13</a:t>
             </a:fld>
             <a:endParaRPr lang="en-US" dirty="0"/>
           </a:p>
@@ -3229,7 +3675,7 @@
 </p:sld>
 </file>
 
-<file path=ppt/slides/slide12.xml><?xml version="1.0" encoding="utf-8"?>
+<file path=ppt/slides/slide14.xml><?xml version="1.0" encoding="utf-8"?>
 <p:sld xmlns:a="http://schemas.openxmlformats.org/drawingml/2006/main" xmlns:r="http://schemas.openxmlformats.org/officeDocument/2006/relationships" xmlns:p="http://schemas.openxmlformats.org/presentationml/2006/main">
   <p:cSld>
     <p:spTree>
@@ -3365,7 +3811,7 @@
           <a:p>
             <a:fld id="{DEDDEAAF-052E-44C1-8CD8-E7BD0D65986B}" type="slidenum">
               <a:rPr lang="en-US" smtClean="0"/>
-              <a:t>12</a:t>
+              <a:t>14</a:t>
             </a:fld>
             <a:endParaRPr lang="en-US" dirty="0"/>
           </a:p>
@@ -3452,7 +3898,7 @@
 </p:sld>
 </file>
 
-<file path=ppt/slides/slide13.xml><?xml version="1.0" encoding="utf-8"?>
+<file path=ppt/slides/slide15.xml><?xml version="1.0" encoding="utf-8"?>
 <p:sld xmlns:a="http://schemas.openxmlformats.org/drawingml/2006/main" xmlns:r="http://schemas.openxmlformats.org/officeDocument/2006/relationships" xmlns:p="http://schemas.openxmlformats.org/presentationml/2006/main">
   <p:cSld>
     <p:spTree>
@@ -3474,229 +3920,6 @@
           <p:cNvPr id="2" name="Title 1">
             <a:extLst>
               <a:ext uri="{FF2B5EF4-FFF2-40B4-BE49-F238E27FC236}">
-                <a16:creationId xmlns:a16="http://schemas.microsoft.com/office/drawing/2014/main" id="{196179E3-28D8-471E-9CE0-B7E2C6DB5B2A}"/>
-              </a:ext>
-            </a:extLst>
-          </p:cNvPr>
-          <p:cNvSpPr>
-            <a:spLocks noGrp="1"/>
-          </p:cNvSpPr>
-          <p:nvPr>
-            <p:ph type="title"/>
-          </p:nvPr>
-        </p:nvSpPr>
-        <p:spPr/>
-        <p:txBody>
-          <a:bodyPr/>
-          <a:lstStyle/>
-          <a:p>
-            <a:r>
-              <a:rPr lang="en-US" dirty="0"/>
-              <a:t>What is JSON?</a:t>
-            </a:r>
-          </a:p>
-        </p:txBody>
-      </p:sp>
-      <p:sp>
-        <p:nvSpPr>
-          <p:cNvPr id="5" name="Content Placeholder 4">
-            <a:extLst>
-              <a:ext uri="{FF2B5EF4-FFF2-40B4-BE49-F238E27FC236}">
-                <a16:creationId xmlns:a16="http://schemas.microsoft.com/office/drawing/2014/main" id="{185FDD59-A114-410D-BC29-6250BE36DBFE}"/>
-              </a:ext>
-            </a:extLst>
-          </p:cNvPr>
-          <p:cNvSpPr>
-            <a:spLocks noGrp="1"/>
-          </p:cNvSpPr>
-          <p:nvPr>
-            <p:ph sz="half" idx="1"/>
-          </p:nvPr>
-        </p:nvSpPr>
-        <p:spPr/>
-        <p:txBody>
-          <a:bodyPr/>
-          <a:lstStyle/>
-          <a:p>
-            <a:r>
-              <a:rPr lang="en-US" dirty="0"/>
-              <a:t>Let’s look at a more complicated example from the </a:t>
-            </a:r>
-            <a:r>
-              <a:rPr lang="en-US" dirty="0" err="1"/>
-              <a:t>AlphaVantage</a:t>
-            </a:r>
-            <a:r>
-              <a:rPr lang="en-US" dirty="0"/>
-              <a:t> API</a:t>
-            </a:r>
-          </a:p>
-          <a:p>
-            <a:endParaRPr lang="en-US" dirty="0"/>
-          </a:p>
-          <a:p>
-            <a:r>
-              <a:rPr lang="en-US" dirty="0"/>
-              <a:t>This JSON data shows CRA’s NASDAQ trading data for the first two days of 2021</a:t>
-            </a:r>
-          </a:p>
-          <a:p>
-            <a:endParaRPr lang="en-US" dirty="0"/>
-          </a:p>
-          <a:p>
-            <a:r>
-              <a:rPr lang="en-US" dirty="0"/>
-              <a:t>The data is three-dimensional </a:t>
-            </a:r>
-          </a:p>
-          <a:p>
-            <a:pPr lvl="1"/>
-            <a:r>
-              <a:rPr lang="en-US" dirty="0"/>
-              <a:t>The object associated with the name “2021-01-05” is in an object associated with the name “Time Series (Daily)”</a:t>
-            </a:r>
-          </a:p>
-          <a:p>
-            <a:pPr lvl="1"/>
-            <a:r>
-              <a:rPr lang="en-US" dirty="0"/>
-              <a:t>The object associated with the name “Time Series Daily” is part of a larger JSON object. </a:t>
-            </a:r>
-          </a:p>
-        </p:txBody>
-      </p:sp>
-      <p:sp>
-        <p:nvSpPr>
-          <p:cNvPr id="4" name="Slide Number Placeholder 3">
-            <a:extLst>
-              <a:ext uri="{FF2B5EF4-FFF2-40B4-BE49-F238E27FC236}">
-                <a16:creationId xmlns:a16="http://schemas.microsoft.com/office/drawing/2014/main" id="{AF5DDABD-A515-442E-A45D-25E91E4468B3}"/>
-              </a:ext>
-            </a:extLst>
-          </p:cNvPr>
-          <p:cNvSpPr>
-            <a:spLocks noGrp="1"/>
-          </p:cNvSpPr>
-          <p:nvPr>
-            <p:ph type="sldNum" sz="quarter" idx="12"/>
-          </p:nvPr>
-        </p:nvSpPr>
-        <p:spPr/>
-        <p:txBody>
-          <a:bodyPr/>
-          <a:lstStyle/>
-          <a:p>
-            <a:fld id="{DEDDEAAF-052E-44C1-8CD8-E7BD0D65986B}" type="slidenum">
-              <a:rPr lang="en-US" smtClean="0"/>
-              <a:t>13</a:t>
-            </a:fld>
-            <a:endParaRPr lang="en-US" dirty="0"/>
-          </a:p>
-        </p:txBody>
-      </p:sp>
-      <p:pic>
-        <p:nvPicPr>
-          <p:cNvPr id="14" name="Content Placeholder 13">
-            <a:extLst>
-              <a:ext uri="{FF2B5EF4-FFF2-40B4-BE49-F238E27FC236}">
-                <a16:creationId xmlns:a16="http://schemas.microsoft.com/office/drawing/2014/main" id="{858ACA11-9E61-4D02-9DFD-AA4E4E4A13AF}"/>
-              </a:ext>
-            </a:extLst>
-          </p:cNvPr>
-          <p:cNvPicPr>
-            <a:picLocks noGrp="1" noChangeAspect="1"/>
-          </p:cNvPicPr>
-          <p:nvPr>
-            <p:ph sz="half" idx="2"/>
-          </p:nvPr>
-        </p:nvPicPr>
-        <p:blipFill>
-          <a:blip r:embed="rId2"/>
-          <a:stretch>
-            <a:fillRect/>
-          </a:stretch>
-        </p:blipFill>
-        <p:spPr>
-          <a:xfrm>
-            <a:off x="4648200" y="2422602"/>
-            <a:ext cx="4038600" cy="2881158"/>
-          </a:xfrm>
-          <a:prstGeom prst="rect">
-            <a:avLst/>
-          </a:prstGeom>
-        </p:spPr>
-      </p:pic>
-      <p:pic>
-        <p:nvPicPr>
-          <p:cNvPr id="15" name="Picture 14" descr="Logo, company name&#10;&#10;Description automatically generated">
-            <a:extLst>
-              <a:ext uri="{FF2B5EF4-FFF2-40B4-BE49-F238E27FC236}">
-                <a16:creationId xmlns:a16="http://schemas.microsoft.com/office/drawing/2014/main" id="{2942B126-C917-44F1-A534-51CB73DB3786}"/>
-              </a:ext>
-            </a:extLst>
-          </p:cNvPr>
-          <p:cNvPicPr>
-            <a:picLocks noChangeAspect="1"/>
-          </p:cNvPicPr>
-          <p:nvPr/>
-        </p:nvPicPr>
-        <p:blipFill>
-          <a:blip r:embed="rId3" cstate="print">
-            <a:extLst>
-              <a:ext uri="{28A0092B-C50C-407E-A947-70E740481C1C}">
-                <a14:useLocalDpi xmlns:a14="http://schemas.microsoft.com/office/drawing/2010/main" val="0"/>
-              </a:ext>
-            </a:extLst>
-          </a:blip>
-          <a:stretch>
-            <a:fillRect/>
-          </a:stretch>
-        </p:blipFill>
-        <p:spPr>
-          <a:xfrm>
-            <a:off x="7198304" y="294965"/>
-            <a:ext cx="1488496" cy="726805"/>
-          </a:xfrm>
-          <a:prstGeom prst="rect">
-            <a:avLst/>
-          </a:prstGeom>
-        </p:spPr>
-      </p:pic>
-    </p:spTree>
-    <p:extLst>
-      <p:ext uri="{BB962C8B-B14F-4D97-AF65-F5344CB8AC3E}">
-        <p14:creationId xmlns:p14="http://schemas.microsoft.com/office/powerpoint/2010/main" val="247748548"/>
-      </p:ext>
-    </p:extLst>
-  </p:cSld>
-  <p:clrMapOvr>
-    <a:masterClrMapping/>
-  </p:clrMapOvr>
-</p:sld>
-</file>
-
-<file path=ppt/slides/slide14.xml><?xml version="1.0" encoding="utf-8"?>
-<p:sld xmlns:a="http://schemas.openxmlformats.org/drawingml/2006/main" xmlns:r="http://schemas.openxmlformats.org/officeDocument/2006/relationships" xmlns:p="http://schemas.openxmlformats.org/presentationml/2006/main">
-  <p:cSld>
-    <p:spTree>
-      <p:nvGrpSpPr>
-        <p:cNvPr id="1" name=""/>
-        <p:cNvGrpSpPr/>
-        <p:nvPr/>
-      </p:nvGrpSpPr>
-      <p:grpSpPr>
-        <a:xfrm>
-          <a:off x="0" y="0"/>
-          <a:ext cx="0" cy="0"/>
-          <a:chOff x="0" y="0"/>
-          <a:chExt cx="0" cy="0"/>
-        </a:xfrm>
-      </p:grpSpPr>
-      <p:sp>
-        <p:nvSpPr>
-          <p:cNvPr id="2" name="Title 1">
-            <a:extLst>
-              <a:ext uri="{FF2B5EF4-FFF2-40B4-BE49-F238E27FC236}">
                 <a16:creationId xmlns:a16="http://schemas.microsoft.com/office/drawing/2014/main" id="{AB2C9A46-04E4-4583-A66F-90F88795EEE2}"/>
               </a:ext>
             </a:extLst>
@@ -3743,7 +3966,7 @@
           <a:p>
             <a:fld id="{28A19357-1615-4E1E-ABD3-88E67FF5B78B}" type="slidenum">
               <a:rPr lang="en-US" smtClean="0"/>
-              <a:t>14</a:t>
+              <a:t>15</a:t>
             </a:fld>
             <a:endParaRPr lang="en-US" dirty="0"/>
           </a:p>
@@ -3926,7 +4149,7 @@
 </p:sld>
 </file>
 
-<file path=ppt/slides/slide15.xml><?xml version="1.0" encoding="utf-8"?>
+<file path=ppt/slides/slide16.xml><?xml version="1.0" encoding="utf-8"?>
 <p:sld xmlns:a="http://schemas.openxmlformats.org/drawingml/2006/main" xmlns:r="http://schemas.openxmlformats.org/officeDocument/2006/relationships" xmlns:p="http://schemas.openxmlformats.org/presentationml/2006/main">
   <p:cSld>
     <p:spTree>
@@ -3994,7 +4217,7 @@
           <a:p>
             <a:fld id="{88B07781-9051-42E7-B3A7-296398EE0D6C}" type="slidenum">
               <a:rPr lang="en-US" smtClean="0"/>
-              <a:t>15</a:t>
+              <a:t>16</a:t>
             </a:fld>
             <a:endParaRPr lang="en-US" dirty="0"/>
           </a:p>
@@ -4130,8 +4353,8 @@
         </p:nvSpPr>
         <p:spPr>
           <a:xfrm>
-            <a:off x="457200" y="1600200"/>
-            <a:ext cx="8229600" cy="4347754"/>
+            <a:off x="457200" y="1375954"/>
+            <a:ext cx="8229600" cy="4572000"/>
           </a:xfrm>
         </p:spPr>
         <p:txBody>
@@ -4181,6 +4404,20 @@
             <a:pPr lvl="1"/>
             <a:r>
               <a:rPr lang="en-US" dirty="0"/>
+              <a:t>Difference Between the Web and a Web API</a:t>
+            </a:r>
+          </a:p>
+          <a:p>
+            <a:pPr lvl="1"/>
+            <a:r>
+              <a:rPr lang="en-US" dirty="0"/>
+              <a:t>Why Should We Care?</a:t>
+            </a:r>
+          </a:p>
+          <a:p>
+            <a:pPr lvl="1"/>
+            <a:r>
+              <a:rPr lang="en-US" dirty="0"/>
               <a:t>What’s in a Web API? – Parameters and Endpoints</a:t>
             </a:r>
           </a:p>
@@ -4188,14 +4425,7 @@
             <a:pPr lvl="1"/>
             <a:r>
               <a:rPr lang="en-US" dirty="0"/>
-              <a:t>Web APIs for the Web</a:t>
-            </a:r>
-          </a:p>
-          <a:p>
-            <a:pPr lvl="1"/>
-            <a:r>
-              <a:rPr lang="en-US" dirty="0"/>
-              <a:t>Web APIs for Other Applications</a:t>
+              <a:t>Web API Applications</a:t>
             </a:r>
           </a:p>
           <a:p>
@@ -4788,7 +5018,7 @@
           <a:p>
             <a:r>
               <a:rPr lang="en-US" dirty="0"/>
-              <a:t>There are different types of HTTP requests, but two most commonly used are:</a:t>
+              <a:t>There are different types of HTTP requests, but the two most commonly used are:</a:t>
             </a:r>
           </a:p>
           <a:p>
@@ -5170,7 +5400,7 @@
           <p:cNvPr id="2" name="Title 1">
             <a:extLst>
               <a:ext uri="{FF2B5EF4-FFF2-40B4-BE49-F238E27FC236}">
-                <a16:creationId xmlns:a16="http://schemas.microsoft.com/office/drawing/2014/main" id="{2F046563-FE2E-449B-9150-2331BE2F7605}"/>
+                <a16:creationId xmlns:a16="http://schemas.microsoft.com/office/drawing/2014/main" id="{A883EB57-9EEC-4D05-B143-D56F19531514}"/>
               </a:ext>
             </a:extLst>
           </p:cNvPr>
@@ -5181,31 +5411,24 @@
             <p:ph type="title"/>
           </p:nvPr>
         </p:nvSpPr>
-        <p:spPr>
-          <a:xfrm>
-            <a:off x="457200" y="457200"/>
-            <a:ext cx="8229600" cy="402336"/>
-          </a:xfrm>
-        </p:spPr>
-        <p:txBody>
-          <a:bodyPr anchor="t">
-            <a:normAutofit/>
-          </a:bodyPr>
-          <a:lstStyle/>
-          <a:p>
-            <a:r>
-              <a:rPr lang="en-US" dirty="0"/>
-              <a:t>What’s in a Web API? – Parameters and Endpoints</a:t>
-            </a:r>
-          </a:p>
-        </p:txBody>
-      </p:sp>
-      <p:sp>
-        <p:nvSpPr>
-          <p:cNvPr id="16" name="Content Placeholder 2">
+        <p:spPr/>
+        <p:txBody>
+          <a:bodyPr/>
+          <a:lstStyle/>
+          <a:p>
+            <a:r>
+              <a:rPr lang="en-US" dirty="0"/>
+              <a:t>Difference Between the Web and a Web API</a:t>
+            </a:r>
+          </a:p>
+        </p:txBody>
+      </p:sp>
+      <p:sp>
+        <p:nvSpPr>
+          <p:cNvPr id="3" name="Content Placeholder 2">
             <a:extLst>
               <a:ext uri="{FF2B5EF4-FFF2-40B4-BE49-F238E27FC236}">
-                <a16:creationId xmlns:a16="http://schemas.microsoft.com/office/drawing/2014/main" id="{2A270B32-6833-490E-8DC7-B2123F9E6CEC}"/>
+                <a16:creationId xmlns:a16="http://schemas.microsoft.com/office/drawing/2014/main" id="{D1C21272-2305-4060-BED4-EF43D8420FF9}"/>
               </a:ext>
             </a:extLst>
           </p:cNvPr>
@@ -5213,123 +5436,95 @@
             <a:spLocks noGrp="1"/>
           </p:cNvSpPr>
           <p:nvPr>
-            <p:ph sz="half" idx="1"/>
-          </p:nvPr>
-        </p:nvSpPr>
-        <p:spPr>
-          <a:xfrm>
-            <a:off x="457199" y="3178628"/>
-            <a:ext cx="7885611" cy="3021875"/>
-          </a:xfrm>
-        </p:spPr>
+            <p:ph idx="1"/>
+          </p:nvPr>
+        </p:nvSpPr>
+        <p:spPr/>
         <p:txBody>
           <a:bodyPr/>
           <a:lstStyle/>
           <a:p>
             <a:r>
               <a:rPr lang="en-US" dirty="0"/>
-              <a:t>The two primary components of a web API are the endpoint and the parameters</a:t>
-            </a:r>
-          </a:p>
-          <a:p>
-            <a:endParaRPr lang="en-US" dirty="0"/>
-          </a:p>
-          <a:p>
-            <a:r>
-              <a:rPr lang="en-US" dirty="0"/>
-              <a:t>The endpoint and parameters combine to form the URL</a:t>
-            </a:r>
+              <a:t>HTTP is designed to transfer HTML, which are documents meant to be read by humans</a:t>
+            </a:r>
+          </a:p>
+          <a:p>
+            <a:endParaRPr lang="en-US" dirty="0"/>
+          </a:p>
+          <a:p>
+            <a:r>
+              <a:rPr lang="en-US" dirty="0"/>
+              <a:t>With some slight modifications, HTTP can be used to transfer data that is meant to be read by computers</a:t>
+            </a:r>
+          </a:p>
+          <a:p>
+            <a:endParaRPr lang="en-US" dirty="0"/>
+          </a:p>
+          <a:p>
+            <a:r>
+              <a:rPr lang="en-US" dirty="0"/>
+              <a:t>Those “slight modifications” are changes to:</a:t>
+            </a:r>
+          </a:p>
+          <a:p>
+            <a:pPr lvl="1"/>
+            <a:r>
+              <a:rPr lang="en-US" dirty="0"/>
+              <a:t>How data is requested (so changes to the URL)</a:t>
+            </a:r>
+          </a:p>
+          <a:p>
+            <a:pPr lvl="1"/>
+            <a:r>
+              <a:rPr lang="en-US" dirty="0"/>
+              <a:t>And how data is received (JSON rather than HTML)</a:t>
+            </a:r>
+          </a:p>
+          <a:p>
+            <a:pPr marL="457200" indent="-457200">
+              <a:buFont typeface="+mj-lt"/>
+              <a:buAutoNum type="arabicPeriod"/>
+            </a:pPr>
+            <a:endParaRPr lang="en-US" dirty="0"/>
+          </a:p>
+        </p:txBody>
+      </p:sp>
+      <p:sp>
+        <p:nvSpPr>
+          <p:cNvPr id="4" name="Slide Number Placeholder 3">
+            <a:extLst>
+              <a:ext uri="{FF2B5EF4-FFF2-40B4-BE49-F238E27FC236}">
+                <a16:creationId xmlns:a16="http://schemas.microsoft.com/office/drawing/2014/main" id="{DEE6ECC2-5DFB-4BC5-BF84-346CCDB72E13}"/>
+              </a:ext>
+            </a:extLst>
+          </p:cNvPr>
+          <p:cNvSpPr>
+            <a:spLocks noGrp="1"/>
+          </p:cNvSpPr>
+          <p:nvPr>
+            <p:ph type="sldNum" sz="quarter" idx="12"/>
+          </p:nvPr>
+        </p:nvSpPr>
+        <p:spPr/>
+        <p:txBody>
+          <a:bodyPr/>
+          <a:lstStyle/>
+          <a:p>
+            <a:fld id="{DEDDEAAF-052E-44C1-8CD8-E7BD0D65986B}" type="slidenum">
+              <a:rPr lang="en-US" smtClean="0"/>
+              <a:t>7</a:t>
+            </a:fld>
+            <a:endParaRPr lang="en-US" dirty="0"/>
           </a:p>
         </p:txBody>
       </p:sp>
       <p:pic>
         <p:nvPicPr>
-          <p:cNvPr id="11" name="Content Placeholder 10" descr="A picture containing chart&#10;&#10;Description automatically generated">
+          <p:cNvPr id="5" name="Picture 4" descr="Logo, icon&#10;&#10;Description automatically generated">
             <a:extLst>
               <a:ext uri="{FF2B5EF4-FFF2-40B4-BE49-F238E27FC236}">
-                <a16:creationId xmlns:a16="http://schemas.microsoft.com/office/drawing/2014/main" id="{B664F357-6B45-418E-8713-50F5D1DED450}"/>
-              </a:ext>
-            </a:extLst>
-          </p:cNvPr>
-          <p:cNvPicPr>
-            <a:picLocks noGrp="1" noChangeAspect="1"/>
-          </p:cNvPicPr>
-          <p:nvPr>
-            <p:ph sz="half" idx="2"/>
-          </p:nvPr>
-        </p:nvPicPr>
-        <p:blipFill>
-          <a:blip r:embed="rId2" cstate="print">
-            <a:extLst>
-              <a:ext uri="{28A0092B-C50C-407E-A947-70E740481C1C}">
-                <a14:useLocalDpi xmlns:a14="http://schemas.microsoft.com/office/drawing/2010/main" val="0"/>
-              </a:ext>
-            </a:extLst>
-          </a:blip>
-          <a:stretch>
-            <a:fillRect/>
-          </a:stretch>
-        </p:blipFill>
-        <p:spPr>
-          <a:xfrm>
-            <a:off x="457199" y="1143316"/>
-            <a:ext cx="7885611" cy="1616550"/>
-          </a:xfrm>
-          <a:noFill/>
-        </p:spPr>
-      </p:pic>
-      <p:sp>
-        <p:nvSpPr>
-          <p:cNvPr id="5" name="Slide Number Placeholder 4">
-            <a:extLst>
-              <a:ext uri="{FF2B5EF4-FFF2-40B4-BE49-F238E27FC236}">
-                <a16:creationId xmlns:a16="http://schemas.microsoft.com/office/drawing/2014/main" id="{8B1E9F45-5D42-4D4B-88DC-C5C4FCE91AB8}"/>
-              </a:ext>
-            </a:extLst>
-          </p:cNvPr>
-          <p:cNvSpPr>
-            <a:spLocks noGrp="1"/>
-          </p:cNvSpPr>
-          <p:nvPr>
-            <p:ph type="sldNum" sz="quarter" idx="12"/>
-          </p:nvPr>
-        </p:nvSpPr>
-        <p:spPr>
-          <a:xfrm>
-            <a:off x="457200" y="6409944"/>
-            <a:ext cx="283464" cy="219456"/>
-          </a:xfrm>
-        </p:spPr>
-        <p:txBody>
-          <a:bodyPr anchor="b">
-            <a:normAutofit/>
-          </a:bodyPr>
-          <a:lstStyle/>
-          <a:p>
-            <a:pPr>
-              <a:spcAft>
-                <a:spcPts val="600"/>
-              </a:spcAft>
-            </a:pPr>
-            <a:fld id="{28A19357-1615-4E1E-ABD3-88E67FF5B78B}" type="slidenum">
-              <a:rPr lang="en-US" smtClean="0"/>
-              <a:pPr>
-                <a:spcAft>
-                  <a:spcPts val="600"/>
-                </a:spcAft>
-              </a:pPr>
-              <a:t>7</a:t>
-            </a:fld>
-            <a:endParaRPr lang="en-US"/>
-          </a:p>
-        </p:txBody>
-      </p:sp>
-      <p:pic>
-        <p:nvPicPr>
-          <p:cNvPr id="14" name="Picture 13" descr="Logo, icon&#10;&#10;Description automatically generated">
-            <a:extLst>
-              <a:ext uri="{FF2B5EF4-FFF2-40B4-BE49-F238E27FC236}">
-                <a16:creationId xmlns:a16="http://schemas.microsoft.com/office/drawing/2014/main" id="{D7E4949B-D49E-4F55-932D-D0FC3CA7C751}"/>
+                <a16:creationId xmlns:a16="http://schemas.microsoft.com/office/drawing/2014/main" id="{77B6E95A-4827-4C06-8B25-4C510B687692}"/>
               </a:ext>
             </a:extLst>
           </p:cNvPr>
@@ -5339,7 +5534,7 @@
           <p:nvPr/>
         </p:nvPicPr>
         <p:blipFill>
-          <a:blip r:embed="rId3">
+          <a:blip r:embed="rId2">
             <a:extLst>
               <a:ext uri="{28A0092B-C50C-407E-A947-70E740481C1C}">
                 <a14:useLocalDpi xmlns:a14="http://schemas.microsoft.com/office/drawing/2010/main" val="0"/>
@@ -5363,7 +5558,7 @@
     </p:spTree>
     <p:extLst>
       <p:ext uri="{BB962C8B-B14F-4D97-AF65-F5344CB8AC3E}">
-        <p14:creationId xmlns:p14="http://schemas.microsoft.com/office/powerpoint/2010/main" val="2920623384"/>
+        <p14:creationId xmlns:p14="http://schemas.microsoft.com/office/powerpoint/2010/main" val="3110294131"/>
       </p:ext>
     </p:extLst>
   </p:cSld>
@@ -5395,7 +5590,7 @@
           <p:cNvPr id="2" name="Title 1">
             <a:extLst>
               <a:ext uri="{FF2B5EF4-FFF2-40B4-BE49-F238E27FC236}">
-                <a16:creationId xmlns:a16="http://schemas.microsoft.com/office/drawing/2014/main" id="{2F046563-FE2E-449B-9150-2331BE2F7605}"/>
+                <a16:creationId xmlns:a16="http://schemas.microsoft.com/office/drawing/2014/main" id="{A883EB57-9EEC-4D05-B143-D56F19531514}"/>
               </a:ext>
             </a:extLst>
           </p:cNvPr>
@@ -5406,31 +5601,24 @@
             <p:ph type="title"/>
           </p:nvPr>
         </p:nvSpPr>
-        <p:spPr>
-          <a:xfrm>
-            <a:off x="457200" y="457200"/>
-            <a:ext cx="8229600" cy="402336"/>
-          </a:xfrm>
-        </p:spPr>
-        <p:txBody>
-          <a:bodyPr anchor="t">
-            <a:normAutofit/>
-          </a:bodyPr>
-          <a:lstStyle/>
-          <a:p>
-            <a:r>
-              <a:rPr lang="en-US" dirty="0"/>
-              <a:t>What’s in a Web API? – Parameters and Endpoints</a:t>
-            </a:r>
-          </a:p>
-        </p:txBody>
-      </p:sp>
-      <p:sp>
-        <p:nvSpPr>
-          <p:cNvPr id="16" name="Content Placeholder 2">
+        <p:spPr/>
+        <p:txBody>
+          <a:bodyPr/>
+          <a:lstStyle/>
+          <a:p>
+            <a:r>
+              <a:rPr lang="en-US" dirty="0"/>
+              <a:t>Why Should We Care?</a:t>
+            </a:r>
+          </a:p>
+        </p:txBody>
+      </p:sp>
+      <p:sp>
+        <p:nvSpPr>
+          <p:cNvPr id="3" name="Content Placeholder 2">
             <a:extLst>
               <a:ext uri="{FF2B5EF4-FFF2-40B4-BE49-F238E27FC236}">
-                <a16:creationId xmlns:a16="http://schemas.microsoft.com/office/drawing/2014/main" id="{2A270B32-6833-490E-8DC7-B2123F9E6CEC}"/>
+                <a16:creationId xmlns:a16="http://schemas.microsoft.com/office/drawing/2014/main" id="{D1C21272-2305-4060-BED4-EF43D8420FF9}"/>
               </a:ext>
             </a:extLst>
           </p:cNvPr>
@@ -5438,140 +5626,96 @@
             <a:spLocks noGrp="1"/>
           </p:cNvSpPr>
           <p:nvPr>
-            <p:ph sz="half" idx="1"/>
-          </p:nvPr>
-        </p:nvSpPr>
-        <p:spPr>
-          <a:xfrm>
-            <a:off x="457199" y="3178628"/>
-            <a:ext cx="7885611" cy="3021875"/>
-          </a:xfrm>
-        </p:spPr>
+            <p:ph idx="1"/>
+          </p:nvPr>
+        </p:nvSpPr>
+        <p:spPr/>
         <p:txBody>
           <a:bodyPr/>
           <a:lstStyle/>
           <a:p>
             <a:r>
               <a:rPr lang="en-US" dirty="0"/>
-              <a:t>For a </a:t>
-            </a:r>
-            <a:r>
-              <a:rPr lang="en-US" i="1" dirty="0"/>
-              <a:t>Get</a:t>
-            </a:r>
-            <a:r>
-              <a:rPr lang="en-US" dirty="0"/>
-              <a:t> request, the endpoint defines the “function” and specifies the resources you are trying to “get”</a:t>
-            </a:r>
-          </a:p>
-          <a:p>
-            <a:endParaRPr lang="en-US" dirty="0"/>
-          </a:p>
-          <a:p>
-            <a:r>
-              <a:rPr lang="en-US" dirty="0"/>
-              <a:t>The parameters can be thought as the arguments of the function and can do many things, like specify specific data within the endpoint</a:t>
-            </a:r>
-          </a:p>
-          <a:p>
-            <a:endParaRPr lang="en-US" dirty="0"/>
-          </a:p>
-          <a:p>
-            <a:r>
-              <a:rPr lang="en-US" dirty="0"/>
-              <a:t>Parameters are separated from the endpoint by a “?” and separated from one another with the “&amp;” symbol</a:t>
-            </a:r>
+              <a:t>“Web Scraping” is the process of turning HTML data into machine-readable or tabular data</a:t>
+            </a:r>
+          </a:p>
+          <a:p>
+            <a:pPr lvl="1"/>
+            <a:r>
+              <a:rPr lang="en-US" dirty="0"/>
+              <a:t>Essentially, you have to undo all of the formatting intended for humans</a:t>
+            </a:r>
+          </a:p>
+          <a:p>
+            <a:pPr lvl="1"/>
+            <a:endParaRPr lang="en-US" dirty="0"/>
+          </a:p>
+          <a:p>
+            <a:r>
+              <a:rPr lang="en-US" dirty="0"/>
+              <a:t>Web APIs are designed for computers (not humans) and provide direct access to data</a:t>
+            </a:r>
+          </a:p>
+          <a:p>
+            <a:endParaRPr lang="en-US" dirty="0"/>
+          </a:p>
+          <a:p>
+            <a:r>
+              <a:rPr lang="en-US" dirty="0"/>
+              <a:t>In many cases, there might be data that you can web scrape that is available via a web API!</a:t>
+            </a:r>
+          </a:p>
+          <a:p>
+            <a:pPr lvl="1"/>
+            <a:r>
+              <a:rPr lang="en-US" dirty="0"/>
+              <a:t>Big Picture: Web APIs can provide direct access to the data you want</a:t>
+            </a:r>
+          </a:p>
+          <a:p>
+            <a:pPr marL="457200" indent="-457200">
+              <a:buFont typeface="+mj-lt"/>
+              <a:buAutoNum type="arabicPeriod"/>
+            </a:pPr>
+            <a:endParaRPr lang="en-US" dirty="0"/>
+          </a:p>
+        </p:txBody>
+      </p:sp>
+      <p:sp>
+        <p:nvSpPr>
+          <p:cNvPr id="4" name="Slide Number Placeholder 3">
+            <a:extLst>
+              <a:ext uri="{FF2B5EF4-FFF2-40B4-BE49-F238E27FC236}">
+                <a16:creationId xmlns:a16="http://schemas.microsoft.com/office/drawing/2014/main" id="{DEE6ECC2-5DFB-4BC5-BF84-346CCDB72E13}"/>
+              </a:ext>
+            </a:extLst>
+          </p:cNvPr>
+          <p:cNvSpPr>
+            <a:spLocks noGrp="1"/>
+          </p:cNvSpPr>
+          <p:nvPr>
+            <p:ph type="sldNum" sz="quarter" idx="12"/>
+          </p:nvPr>
+        </p:nvSpPr>
+        <p:spPr/>
+        <p:txBody>
+          <a:bodyPr/>
+          <a:lstStyle/>
+          <a:p>
+            <a:fld id="{DEDDEAAF-052E-44C1-8CD8-E7BD0D65986B}" type="slidenum">
+              <a:rPr lang="en-US" smtClean="0"/>
+              <a:t>8</a:t>
+            </a:fld>
+            <a:endParaRPr lang="en-US" dirty="0"/>
           </a:p>
         </p:txBody>
       </p:sp>
       <p:pic>
         <p:nvPicPr>
-          <p:cNvPr id="11" name="Content Placeholder 10" descr="A picture containing chart&#10;&#10;Description automatically generated">
+          <p:cNvPr id="5" name="Picture 4" descr="Logo, icon&#10;&#10;Description automatically generated">
             <a:extLst>
               <a:ext uri="{FF2B5EF4-FFF2-40B4-BE49-F238E27FC236}">
-                <a16:creationId xmlns:a16="http://schemas.microsoft.com/office/drawing/2014/main" id="{B664F357-6B45-418E-8713-50F5D1DED450}"/>
-              </a:ext>
-            </a:extLst>
-          </p:cNvPr>
-          <p:cNvPicPr>
-            <a:picLocks noGrp="1" noChangeAspect="1"/>
-          </p:cNvPicPr>
-          <p:nvPr>
-            <p:ph sz="half" idx="2"/>
-          </p:nvPr>
-        </p:nvPicPr>
-        <p:blipFill>
-          <a:blip r:embed="rId2" cstate="print">
-            <a:extLst>
-              <a:ext uri="{28A0092B-C50C-407E-A947-70E740481C1C}">
-                <a14:useLocalDpi xmlns:a14="http://schemas.microsoft.com/office/drawing/2010/main" val="0"/>
-              </a:ext>
-            </a:extLst>
-          </a:blip>
-          <a:stretch>
-            <a:fillRect/>
-          </a:stretch>
-        </p:blipFill>
-        <p:spPr>
-          <a:xfrm>
-            <a:off x="457199" y="1143316"/>
-            <a:ext cx="7885611" cy="1616550"/>
-          </a:xfrm>
-          <a:noFill/>
-        </p:spPr>
-      </p:pic>
-      <p:sp>
-        <p:nvSpPr>
-          <p:cNvPr id="5" name="Slide Number Placeholder 4">
-            <a:extLst>
-              <a:ext uri="{FF2B5EF4-FFF2-40B4-BE49-F238E27FC236}">
-                <a16:creationId xmlns:a16="http://schemas.microsoft.com/office/drawing/2014/main" id="{8B1E9F45-5D42-4D4B-88DC-C5C4FCE91AB8}"/>
-              </a:ext>
-            </a:extLst>
-          </p:cNvPr>
-          <p:cNvSpPr>
-            <a:spLocks noGrp="1"/>
-          </p:cNvSpPr>
-          <p:nvPr>
-            <p:ph type="sldNum" sz="quarter" idx="12"/>
-          </p:nvPr>
-        </p:nvSpPr>
-        <p:spPr>
-          <a:xfrm>
-            <a:off x="457200" y="6409944"/>
-            <a:ext cx="283464" cy="219456"/>
-          </a:xfrm>
-        </p:spPr>
-        <p:txBody>
-          <a:bodyPr anchor="b">
-            <a:normAutofit/>
-          </a:bodyPr>
-          <a:lstStyle/>
-          <a:p>
-            <a:pPr>
-              <a:spcAft>
-                <a:spcPts val="600"/>
-              </a:spcAft>
-            </a:pPr>
-            <a:fld id="{28A19357-1615-4E1E-ABD3-88E67FF5B78B}" type="slidenum">
-              <a:rPr lang="en-US" smtClean="0"/>
-              <a:pPr>
-                <a:spcAft>
-                  <a:spcPts val="600"/>
-                </a:spcAft>
-              </a:pPr>
-              <a:t>8</a:t>
-            </a:fld>
-            <a:endParaRPr lang="en-US"/>
-          </a:p>
-        </p:txBody>
-      </p:sp>
-      <p:pic>
-        <p:nvPicPr>
-          <p:cNvPr id="6" name="Picture 5" descr="Logo, icon&#10;&#10;Description automatically generated">
-            <a:extLst>
-              <a:ext uri="{FF2B5EF4-FFF2-40B4-BE49-F238E27FC236}">
-                <a16:creationId xmlns:a16="http://schemas.microsoft.com/office/drawing/2014/main" id="{92AFB1D8-BC9F-4F06-9C30-E6A5FD6ED52A}"/>
+                <a16:creationId xmlns:a16="http://schemas.microsoft.com/office/drawing/2014/main" id="{77B6E95A-4827-4C06-8B25-4C510B687692}"/>
               </a:ext>
             </a:extLst>
           </p:cNvPr>
@@ -5581,7 +5725,7 @@
           <p:nvPr/>
         </p:nvPicPr>
         <p:blipFill>
-          <a:blip r:embed="rId3">
+          <a:blip r:embed="rId2">
             <a:extLst>
               <a:ext uri="{28A0092B-C50C-407E-A947-70E740481C1C}">
                 <a14:useLocalDpi xmlns:a14="http://schemas.microsoft.com/office/drawing/2010/main" val="0"/>
@@ -5605,7 +5749,7 @@
     </p:spTree>
     <p:extLst>
       <p:ext uri="{BB962C8B-B14F-4D97-AF65-F5344CB8AC3E}">
-        <p14:creationId xmlns:p14="http://schemas.microsoft.com/office/powerpoint/2010/main" val="3574549883"/>
+        <p14:creationId xmlns:p14="http://schemas.microsoft.com/office/powerpoint/2010/main" val="4235413629"/>
       </p:ext>
     </p:extLst>
   </p:cSld>
@@ -5637,7 +5781,7 @@
           <p:cNvPr id="2" name="Title 1">
             <a:extLst>
               <a:ext uri="{FF2B5EF4-FFF2-40B4-BE49-F238E27FC236}">
-                <a16:creationId xmlns:a16="http://schemas.microsoft.com/office/drawing/2014/main" id="{98531DAB-40F5-4314-9390-B31C0A194CC5}"/>
+                <a16:creationId xmlns:a16="http://schemas.microsoft.com/office/drawing/2014/main" id="{2F046563-FE2E-449B-9150-2331BE2F7605}"/>
               </a:ext>
             </a:extLst>
           </p:cNvPr>
@@ -5648,104 +5792,109 @@
             <p:ph type="title"/>
           </p:nvPr>
         </p:nvSpPr>
-        <p:spPr/>
+        <p:spPr>
+          <a:xfrm>
+            <a:off x="457200" y="457200"/>
+            <a:ext cx="8229600" cy="402336"/>
+          </a:xfrm>
+        </p:spPr>
+        <p:txBody>
+          <a:bodyPr anchor="t">
+            <a:normAutofit/>
+          </a:bodyPr>
+          <a:lstStyle/>
+          <a:p>
+            <a:r>
+              <a:rPr lang="en-US" dirty="0"/>
+              <a:t>What’s in a Web API? – Parameters and Endpoints</a:t>
+            </a:r>
+          </a:p>
+        </p:txBody>
+      </p:sp>
+      <p:sp>
+        <p:nvSpPr>
+          <p:cNvPr id="16" name="Content Placeholder 2">
+            <a:extLst>
+              <a:ext uri="{FF2B5EF4-FFF2-40B4-BE49-F238E27FC236}">
+                <a16:creationId xmlns:a16="http://schemas.microsoft.com/office/drawing/2014/main" id="{2A270B32-6833-490E-8DC7-B2123F9E6CEC}"/>
+              </a:ext>
+            </a:extLst>
+          </p:cNvPr>
+          <p:cNvSpPr>
+            <a:spLocks noGrp="1"/>
+          </p:cNvSpPr>
+          <p:nvPr>
+            <p:ph sz="half" idx="1"/>
+          </p:nvPr>
+        </p:nvSpPr>
+        <p:spPr>
+          <a:xfrm>
+            <a:off x="457199" y="3178628"/>
+            <a:ext cx="7885611" cy="3021875"/>
+          </a:xfrm>
+        </p:spPr>
         <p:txBody>
           <a:bodyPr/>
           <a:lstStyle/>
           <a:p>
             <a:r>
               <a:rPr lang="en-US" dirty="0"/>
-              <a:t>The Response – Web APIs for the Web</a:t>
-            </a:r>
-          </a:p>
-        </p:txBody>
-      </p:sp>
-      <p:sp>
-        <p:nvSpPr>
-          <p:cNvPr id="6" name="Content Placeholder 5">
+              <a:t>The two primary components of a web API are the endpoint and the parameters</a:t>
+            </a:r>
+          </a:p>
+          <a:p>
+            <a:endParaRPr lang="en-US" dirty="0"/>
+          </a:p>
+          <a:p>
+            <a:r>
+              <a:rPr lang="en-US" dirty="0"/>
+              <a:t>The endpoint and parameters combine to form the URL</a:t>
+            </a:r>
+          </a:p>
+        </p:txBody>
+      </p:sp>
+      <p:pic>
+        <p:nvPicPr>
+          <p:cNvPr id="11" name="Content Placeholder 10" descr="A picture containing chart&#10;&#10;Description automatically generated">
             <a:extLst>
               <a:ext uri="{FF2B5EF4-FFF2-40B4-BE49-F238E27FC236}">
-                <a16:creationId xmlns:a16="http://schemas.microsoft.com/office/drawing/2014/main" id="{88B743A6-FEFD-403B-BE74-76CA84A4F22D}"/>
+                <a16:creationId xmlns:a16="http://schemas.microsoft.com/office/drawing/2014/main" id="{B664F357-6B45-418E-8713-50F5D1DED450}"/>
               </a:ext>
             </a:extLst>
           </p:cNvPr>
-          <p:cNvSpPr>
-            <a:spLocks noGrp="1"/>
-          </p:cNvSpPr>
-          <p:nvPr>
-            <p:ph idx="1"/>
-          </p:nvPr>
-        </p:nvSpPr>
-        <p:spPr/>
-        <p:txBody>
-          <a:bodyPr/>
-          <a:lstStyle/>
-          <a:p>
-            <a:r>
-              <a:rPr lang="en-US" dirty="0"/>
-              <a:t>What does a Web API return?</a:t>
-            </a:r>
-          </a:p>
-          <a:p>
-            <a:pPr lvl="1"/>
-            <a:r>
-              <a:rPr lang="en-US" dirty="0"/>
-              <a:t>Depends on the API</a:t>
-            </a:r>
-          </a:p>
-          <a:p>
-            <a:pPr lvl="1"/>
-            <a:r>
-              <a:rPr lang="en-US" dirty="0"/>
-              <a:t>Could return a single number, text data, an image, or even a whole webpage</a:t>
-            </a:r>
-          </a:p>
-          <a:p>
-            <a:pPr lvl="1"/>
-            <a:endParaRPr lang="en-US" dirty="0"/>
-          </a:p>
-          <a:p>
-            <a:r>
-              <a:rPr lang="en-US" dirty="0"/>
-              <a:t>Example: Google</a:t>
-            </a:r>
-          </a:p>
-          <a:p>
-            <a:pPr lvl="1"/>
-            <a:r>
-              <a:rPr lang="en-US" dirty="0"/>
-              <a:t>Try typing in the following web API request into your browser: www.google.com/search?q=CRA</a:t>
-            </a:r>
-          </a:p>
-          <a:p>
-            <a:pPr lvl="1"/>
-            <a:r>
-              <a:rPr lang="en-US" dirty="0"/>
-              <a:t>API Details:</a:t>
-            </a:r>
-          </a:p>
-          <a:p>
-            <a:pPr lvl="2"/>
-            <a:r>
-              <a:rPr lang="en-US" dirty="0"/>
-              <a:t>Endpoint: www.google.com/search</a:t>
-            </a:r>
-          </a:p>
-          <a:p>
-            <a:pPr lvl="2"/>
-            <a:r>
-              <a:rPr lang="en-US" dirty="0"/>
-              <a:t>Parameter q is set to CRA</a:t>
-            </a:r>
-          </a:p>
-        </p:txBody>
-      </p:sp>
+          <p:cNvPicPr>
+            <a:picLocks noGrp="1" noChangeAspect="1"/>
+          </p:cNvPicPr>
+          <p:nvPr>
+            <p:ph sz="half" idx="2"/>
+          </p:nvPr>
+        </p:nvPicPr>
+        <p:blipFill>
+          <a:blip r:embed="rId2" cstate="print">
+            <a:extLst>
+              <a:ext uri="{28A0092B-C50C-407E-A947-70E740481C1C}">
+                <a14:useLocalDpi xmlns:a14="http://schemas.microsoft.com/office/drawing/2010/main" val="0"/>
+              </a:ext>
+            </a:extLst>
+          </a:blip>
+          <a:stretch>
+            <a:fillRect/>
+          </a:stretch>
+        </p:blipFill>
+        <p:spPr>
+          <a:xfrm>
+            <a:off x="457199" y="1143316"/>
+            <a:ext cx="7885611" cy="1616550"/>
+          </a:xfrm>
+          <a:noFill/>
+        </p:spPr>
+      </p:pic>
       <p:sp>
         <p:nvSpPr>
           <p:cNvPr id="5" name="Slide Number Placeholder 4">
             <a:extLst>
               <a:ext uri="{FF2B5EF4-FFF2-40B4-BE49-F238E27FC236}">
-                <a16:creationId xmlns:a16="http://schemas.microsoft.com/office/drawing/2014/main" id="{F73E1A14-2B6F-4690-82A6-2F6575FAA835}"/>
+                <a16:creationId xmlns:a16="http://schemas.microsoft.com/office/drawing/2014/main" id="{8B1E9F45-5D42-4D4B-88DC-C5C4FCE91AB8}"/>
               </a:ext>
             </a:extLst>
           </p:cNvPr>
@@ -5756,25 +5905,42 @@
             <p:ph type="sldNum" sz="quarter" idx="12"/>
           </p:nvPr>
         </p:nvSpPr>
-        <p:spPr/>
-        <p:txBody>
-          <a:bodyPr/>
-          <a:lstStyle/>
-          <a:p>
+        <p:spPr>
+          <a:xfrm>
+            <a:off x="457200" y="6409944"/>
+            <a:ext cx="283464" cy="219456"/>
+          </a:xfrm>
+        </p:spPr>
+        <p:txBody>
+          <a:bodyPr anchor="b">
+            <a:normAutofit/>
+          </a:bodyPr>
+          <a:lstStyle/>
+          <a:p>
+            <a:pPr>
+              <a:spcAft>
+                <a:spcPts val="600"/>
+              </a:spcAft>
+            </a:pPr>
             <a:fld id="{28A19357-1615-4E1E-ABD3-88E67FF5B78B}" type="slidenum">
               <a:rPr lang="en-US" smtClean="0"/>
+              <a:pPr>
+                <a:spcAft>
+                  <a:spcPts val="600"/>
+                </a:spcAft>
+              </a:pPr>
               <a:t>9</a:t>
             </a:fld>
-            <a:endParaRPr lang="en-US" dirty="0"/>
+            <a:endParaRPr lang="en-US"/>
           </a:p>
         </p:txBody>
       </p:sp>
       <p:pic>
         <p:nvPicPr>
-          <p:cNvPr id="7" name="Picture 6" descr="Logo, icon&#10;&#10;Description automatically generated">
+          <p:cNvPr id="14" name="Picture 13" descr="Logo, icon&#10;&#10;Description automatically generated">
             <a:extLst>
               <a:ext uri="{FF2B5EF4-FFF2-40B4-BE49-F238E27FC236}">
-                <a16:creationId xmlns:a16="http://schemas.microsoft.com/office/drawing/2014/main" id="{241140BD-C1FC-4F6F-97E6-1A22AC74D779}"/>
+                <a16:creationId xmlns:a16="http://schemas.microsoft.com/office/drawing/2014/main" id="{D7E4949B-D49E-4F55-932D-D0FC3CA7C751}"/>
               </a:ext>
             </a:extLst>
           </p:cNvPr>
@@ -5784,7 +5950,7 @@
           <p:nvPr/>
         </p:nvPicPr>
         <p:blipFill>
-          <a:blip r:embed="rId2">
+          <a:blip r:embed="rId3">
             <a:extLst>
               <a:ext uri="{28A0092B-C50C-407E-A947-70E740481C1C}">
                 <a14:useLocalDpi xmlns:a14="http://schemas.microsoft.com/office/drawing/2010/main" val="0"/>
@@ -5808,7 +5974,7 @@
     </p:spTree>
     <p:extLst>
       <p:ext uri="{BB962C8B-B14F-4D97-AF65-F5344CB8AC3E}">
-        <p14:creationId xmlns:p14="http://schemas.microsoft.com/office/powerpoint/2010/main" val="705467224"/>
+        <p14:creationId xmlns:p14="http://schemas.microsoft.com/office/powerpoint/2010/main" val="2920623384"/>
       </p:ext>
     </p:extLst>
   </p:cSld>
